--- a/plugfest/2018-bundang/PlugfestSummary_rev3.pptx
+++ b/plugfest/2018-bundang/PlugfestSummary_rev3.pptx
@@ -4454,8 +4454,8 @@
         </p:nvCxnSpPr>
         <p:spPr>
           <a:xfrm flipH="1">
-            <a:off x="2072185" y="4412484"/>
-            <a:ext cx="251299" cy="678444"/>
+            <a:off x="2072185" y="4344752"/>
+            <a:ext cx="247276" cy="746176"/>
           </a:xfrm>
           <a:prstGeom prst="line">
             <a:avLst/>
@@ -8125,15 +8125,7 @@
             </a:r>
             <a:r>
               <a:rPr kumimoji="1" lang="en-US" altLang="ja-JP" sz="800" dirty="0" smtClean="0"/>
-              <a:t>IF (</a:t>
-            </a:r>
-            <a:r>
-              <a:rPr kumimoji="1" lang="en-US" altLang="ja-JP" sz="800" dirty="0" smtClean="0"/>
-              <a:t>trying</a:t>
-            </a:r>
-            <a:r>
-              <a:rPr kumimoji="1" lang="en-US" altLang="ja-JP" sz="800" dirty="0" smtClean="0"/>
-              <a:t>)</a:t>
+              <a:t>IF (trying)</a:t>
             </a:r>
             <a:endParaRPr kumimoji="1" lang="ja-JP" altLang="en-US" sz="800" dirty="0"/>
           </a:p>
@@ -8575,7 +8567,7 @@
         </p:nvSpPr>
         <p:spPr bwMode="gray">
           <a:xfrm>
-            <a:off x="1958055" y="4087034"/>
+            <a:off x="1954032" y="4019302"/>
             <a:ext cx="730858" cy="325450"/>
           </a:xfrm>
           <a:prstGeom prst="ellipse">
@@ -9123,29 +9115,6 @@
       </p:sp>
       <p:sp>
         <p:nvSpPr>
-          <p:cNvPr id="92" name="スライド番号プレースホルダー 91"/>
-          <p:cNvSpPr>
-            <a:spLocks noGrp="1"/>
-          </p:cNvSpPr>
-          <p:nvPr>
-            <p:ph type="sldNum" sz="quarter" idx="12"/>
-          </p:nvPr>
-        </p:nvSpPr>
-        <p:spPr/>
-        <p:txBody>
-          <a:bodyPr/>
-          <a:lstStyle/>
-          <a:p>
-            <a:fld id="{6C6C372F-AB6C-4C8E-BDD9-C231A90F89FC}" type="slidenum">
-              <a:rPr kumimoji="1" lang="ja-JP" altLang="en-US" smtClean="0"/>
-              <a:t>1</a:t>
-            </a:fld>
-            <a:endParaRPr kumimoji="1" lang="ja-JP" altLang="en-US"/>
-          </a:p>
-        </p:txBody>
-      </p:sp>
-      <p:sp>
-        <p:nvSpPr>
           <p:cNvPr id="93" name="楕円 312"/>
           <p:cNvSpPr/>
           <p:nvPr/>
@@ -9376,8 +9345,8 @@
         </p:nvSpPr>
         <p:spPr bwMode="gray">
           <a:xfrm>
-            <a:off x="7159251" y="3389230"/>
-            <a:ext cx="730858" cy="325450"/>
+            <a:off x="7133887" y="3289333"/>
+            <a:ext cx="730858" cy="365648"/>
           </a:xfrm>
           <a:prstGeom prst="ellipse">
             <a:avLst/>
@@ -9427,7 +9396,7 @@
                 <a:latin typeface="Meiryo UI" panose="020B0604030504040204" pitchFamily="50" charset="-128"/>
                 <a:ea typeface="Meiryo UI" panose="020B0604030504040204" pitchFamily="50" charset="-128"/>
               </a:rPr>
-              <a:t>Node—</a:t>
+              <a:t>Oracle-</a:t>
             </a:r>
             <a:r>
               <a:rPr lang="en-US" altLang="ja-JP" sz="700" dirty="0" err="1" smtClean="0">
@@ -9436,13 +9405,10 @@
               </a:rPr>
               <a:t>WoT</a:t>
             </a:r>
-            <a:r>
-              <a:rPr lang="en-US" altLang="ja-JP" sz="700" dirty="0" smtClean="0">
-                <a:latin typeface="Meiryo UI" panose="020B0604030504040204" pitchFamily="50" charset="-128"/>
-                <a:ea typeface="Meiryo UI" panose="020B0604030504040204" pitchFamily="50" charset="-128"/>
-              </a:rPr>
-              <a:t>+</a:t>
-            </a:r>
+            <a:endParaRPr lang="en-US" altLang="ja-JP" sz="700" dirty="0">
+              <a:latin typeface="Meiryo UI" panose="020B0604030504040204" pitchFamily="50" charset="-128"/>
+              <a:ea typeface="Meiryo UI" panose="020B0604030504040204" pitchFamily="50" charset="-128"/>
+            </a:endParaRPr>
           </a:p>
           <a:p>
             <a:pPr marL="0" marR="0" indent="0" algn="ctr" defTabSz="914400" rtl="0" eaLnBrk="1" fontAlgn="ctr" latinLnBrk="0" hangingPunct="1">
@@ -9466,22 +9432,12 @@
                 <a:latin typeface="Meiryo UI" panose="020B0604030504040204" pitchFamily="50" charset="-128"/>
                 <a:ea typeface="Meiryo UI" panose="020B0604030504040204" pitchFamily="50" charset="-128"/>
               </a:rPr>
-              <a:t>Oracle</a:t>
-            </a:r>
-            <a:r>
-              <a:rPr lang="en-US" altLang="ja-JP" sz="700" dirty="0">
-                <a:latin typeface="Meiryo UI" panose="020B0604030504040204" pitchFamily="50" charset="-128"/>
-                <a:ea typeface="Meiryo UI" panose="020B0604030504040204" pitchFamily="50" charset="-128"/>
-              </a:rPr>
-              <a:t> </a:t>
-            </a:r>
-            <a:r>
-              <a:rPr lang="en-US" altLang="ja-JP" sz="700" dirty="0" smtClean="0">
-                <a:latin typeface="Meiryo UI" panose="020B0604030504040204" pitchFamily="50" charset="-128"/>
-                <a:ea typeface="Meiryo UI" panose="020B0604030504040204" pitchFamily="50" charset="-128"/>
-              </a:rPr>
-              <a:t>binding</a:t>
-            </a:r>
+              <a:t>bridge</a:t>
+            </a:r>
+            <a:endParaRPr lang="en-US" altLang="ja-JP" sz="700" dirty="0" smtClean="0">
+              <a:latin typeface="Meiryo UI" panose="020B0604030504040204" pitchFamily="50" charset="-128"/>
+              <a:ea typeface="Meiryo UI" panose="020B0604030504040204" pitchFamily="50" charset="-128"/>
+            </a:endParaRPr>
           </a:p>
           <a:p>
             <a:pPr marL="0" marR="0" indent="0" algn="ctr" defTabSz="914400" rtl="0" eaLnBrk="1" fontAlgn="ctr" latinLnBrk="0" hangingPunct="1">
@@ -9537,6 +9493,29 @@
               <a:latin typeface="Meiryo UI" panose="020B0604030504040204" pitchFamily="50" charset="-128"/>
               <a:ea typeface="Meiryo UI" panose="020B0604030504040204" pitchFamily="50" charset="-128"/>
             </a:endParaRPr>
+          </a:p>
+        </p:txBody>
+      </p:sp>
+      <p:sp>
+        <p:nvSpPr>
+          <p:cNvPr id="8" name="スライド番号プレースホルダー 7"/>
+          <p:cNvSpPr>
+            <a:spLocks noGrp="1"/>
+          </p:cNvSpPr>
+          <p:nvPr>
+            <p:ph type="sldNum" sz="quarter" idx="12"/>
+          </p:nvPr>
+        </p:nvSpPr>
+        <p:spPr/>
+        <p:txBody>
+          <a:bodyPr/>
+          <a:lstStyle/>
+          <a:p>
+            <a:fld id="{6C6C372F-AB6C-4C8E-BDD9-C231A90F89FC}" type="slidenum">
+              <a:rPr kumimoji="1" lang="ja-JP" altLang="en-US" smtClean="0"/>
+              <a:t>1</a:t>
+            </a:fld>
+            <a:endParaRPr kumimoji="1" lang="ja-JP" altLang="en-US"/>
           </a:p>
         </p:txBody>
       </p:sp>
@@ -9609,7 +9588,7 @@
           <a:noFill/>
           <a:extLst>
             <a:ext uri="{909E8E84-426E-40dd-AFC4-6F175D3DCCD1}">
-              <a14:hiddenFill xmlns:a14="http://schemas.microsoft.com/office/drawing/2010/main" xmlns="">
+              <a14:hiddenFill xmlns="" xmlns:a14="http://schemas.microsoft.com/office/drawing/2010/main">
                 <a:solidFill>
                   <a:srgbClr val="FFFFFF"/>
                 </a:solidFill>
@@ -9751,7 +9730,7 @@
       </p:sp>
       <p:sp>
         <p:nvSpPr>
-          <p:cNvPr id="9" name="スライド番号プレースホルダー 8"/>
+          <p:cNvPr id="3" name="スライド番号プレースホルダー 2"/>
           <p:cNvSpPr>
             <a:spLocks noGrp="1"/>
           </p:cNvSpPr>
